--- a/doc/Figures.pptx
+++ b/doc/Figures.pptx
@@ -6,6 +6,7 @@
   </p:sldMasterIdLst>
   <p:sldIdLst>
     <p:sldId id="257" r:id="rId2"/>
+    <p:sldId id="258" r:id="rId3"/>
   </p:sldIdLst>
   <p:sldSz cx="9144000" cy="6858000" type="screen4x3"/>
   <p:notesSz cx="6858000" cy="9144000"/>
@@ -288,7 +289,7 @@
           <a:p>
             <a:fld id="{3436CAB6-7DC9-4720-931E-B40899B3439B}" type="datetimeFigureOut">
               <a:rPr lang="en-US" smtClean="0"/>
-              <a:t>3/12/2015</a:t>
+              <a:t>3/13/2015</a:t>
             </a:fld>
             <a:endParaRPr lang="en-US"/>
           </a:p>
@@ -458,7 +459,7 @@
           <a:p>
             <a:fld id="{3436CAB6-7DC9-4720-931E-B40899B3439B}" type="datetimeFigureOut">
               <a:rPr lang="en-US" smtClean="0"/>
-              <a:t>3/12/2015</a:t>
+              <a:t>3/13/2015</a:t>
             </a:fld>
             <a:endParaRPr lang="en-US"/>
           </a:p>
@@ -638,7 +639,7 @@
           <a:p>
             <a:fld id="{3436CAB6-7DC9-4720-931E-B40899B3439B}" type="datetimeFigureOut">
               <a:rPr lang="en-US" smtClean="0"/>
-              <a:t>3/12/2015</a:t>
+              <a:t>3/13/2015</a:t>
             </a:fld>
             <a:endParaRPr lang="en-US"/>
           </a:p>
@@ -808,7 +809,7 @@
           <a:p>
             <a:fld id="{3436CAB6-7DC9-4720-931E-B40899B3439B}" type="datetimeFigureOut">
               <a:rPr lang="en-US" smtClean="0"/>
-              <a:t>3/12/2015</a:t>
+              <a:t>3/13/2015</a:t>
             </a:fld>
             <a:endParaRPr lang="en-US"/>
           </a:p>
@@ -1054,7 +1055,7 @@
           <a:p>
             <a:fld id="{3436CAB6-7DC9-4720-931E-B40899B3439B}" type="datetimeFigureOut">
               <a:rPr lang="en-US" smtClean="0"/>
-              <a:t>3/12/2015</a:t>
+              <a:t>3/13/2015</a:t>
             </a:fld>
             <a:endParaRPr lang="en-US"/>
           </a:p>
@@ -1342,7 +1343,7 @@
           <a:p>
             <a:fld id="{3436CAB6-7DC9-4720-931E-B40899B3439B}" type="datetimeFigureOut">
               <a:rPr lang="en-US" smtClean="0"/>
-              <a:t>3/12/2015</a:t>
+              <a:t>3/13/2015</a:t>
             </a:fld>
             <a:endParaRPr lang="en-US"/>
           </a:p>
@@ -1764,7 +1765,7 @@
           <a:p>
             <a:fld id="{3436CAB6-7DC9-4720-931E-B40899B3439B}" type="datetimeFigureOut">
               <a:rPr lang="en-US" smtClean="0"/>
-              <a:t>3/12/2015</a:t>
+              <a:t>3/13/2015</a:t>
             </a:fld>
             <a:endParaRPr lang="en-US"/>
           </a:p>
@@ -1882,7 +1883,7 @@
           <a:p>
             <a:fld id="{3436CAB6-7DC9-4720-931E-B40899B3439B}" type="datetimeFigureOut">
               <a:rPr lang="en-US" smtClean="0"/>
-              <a:t>3/12/2015</a:t>
+              <a:t>3/13/2015</a:t>
             </a:fld>
             <a:endParaRPr lang="en-US"/>
           </a:p>
@@ -1977,7 +1978,7 @@
           <a:p>
             <a:fld id="{3436CAB6-7DC9-4720-931E-B40899B3439B}" type="datetimeFigureOut">
               <a:rPr lang="en-US" smtClean="0"/>
-              <a:t>3/12/2015</a:t>
+              <a:t>3/13/2015</a:t>
             </a:fld>
             <a:endParaRPr lang="en-US"/>
           </a:p>
@@ -2254,7 +2255,7 @@
           <a:p>
             <a:fld id="{3436CAB6-7DC9-4720-931E-B40899B3439B}" type="datetimeFigureOut">
               <a:rPr lang="en-US" smtClean="0"/>
-              <a:t>3/12/2015</a:t>
+              <a:t>3/13/2015</a:t>
             </a:fld>
             <a:endParaRPr lang="en-US"/>
           </a:p>
@@ -2507,7 +2508,7 @@
           <a:p>
             <a:fld id="{3436CAB6-7DC9-4720-931E-B40899B3439B}" type="datetimeFigureOut">
               <a:rPr lang="en-US" smtClean="0"/>
-              <a:t>3/12/2015</a:t>
+              <a:t>3/13/2015</a:t>
             </a:fld>
             <a:endParaRPr lang="en-US"/>
           </a:p>
@@ -2720,7 +2721,7 @@
           <a:p>
             <a:fld id="{3436CAB6-7DC9-4720-931E-B40899B3439B}" type="datetimeFigureOut">
               <a:rPr lang="en-US" smtClean="0"/>
-              <a:t>3/12/2015</a:t>
+              <a:t>3/13/2015</a:t>
             </a:fld>
             <a:endParaRPr lang="en-US"/>
           </a:p>
@@ -3625,6 +3626,553 @@
 </p:sld>
 </file>
 
+<file path=ppt/slides/slide2.xml><?xml version="1.0" encoding="utf-8"?>
+<p:sld xmlns:a="http://schemas.openxmlformats.org/drawingml/2006/main" xmlns:r="http://schemas.openxmlformats.org/officeDocument/2006/relationships" xmlns:p="http://schemas.openxmlformats.org/presentationml/2006/main">
+  <p:cSld>
+    <p:spTree>
+      <p:nvGrpSpPr>
+        <p:cNvPr id="1" name=""/>
+        <p:cNvGrpSpPr/>
+        <p:nvPr/>
+      </p:nvGrpSpPr>
+      <p:grpSpPr>
+        <a:xfrm>
+          <a:off x="0" y="0"/>
+          <a:ext cx="0" cy="0"/>
+          <a:chOff x="0" y="0"/>
+          <a:chExt cx="0" cy="0"/>
+        </a:xfrm>
+      </p:grpSpPr>
+      <p:sp>
+        <p:nvSpPr>
+          <p:cNvPr id="3" name="TextBox 2"/>
+          <p:cNvSpPr txBox="1"/>
+          <p:nvPr/>
+        </p:nvSpPr>
+        <p:spPr>
+          <a:xfrm>
+            <a:off x="1538681" y="2889705"/>
+            <a:ext cx="1113638" cy="307777"/>
+          </a:xfrm>
+          <a:prstGeom prst="rect">
+            <a:avLst/>
+          </a:prstGeom>
+          <a:noFill/>
+        </p:spPr>
+        <p:txBody>
+          <a:bodyPr wrap="none" rtlCol="0">
+            <a:spAutoFit/>
+          </a:bodyPr>
+          <a:lstStyle/>
+          <a:p>
+            <a:pPr algn="ctr"/>
+            <a:r>
+              <a:rPr lang="en-US" sz="1400" dirty="0" smtClean="0"/>
+              <a:t>Initial zoning</a:t>
+            </a:r>
+            <a:endParaRPr lang="en-US" sz="1400" dirty="0"/>
+          </a:p>
+        </p:txBody>
+      </p:sp>
+      <p:sp>
+        <p:nvSpPr>
+          <p:cNvPr id="5" name="TextBox 4"/>
+          <p:cNvSpPr txBox="1"/>
+          <p:nvPr/>
+        </p:nvSpPr>
+        <p:spPr>
+          <a:xfrm>
+            <a:off x="4172674" y="2909513"/>
+            <a:ext cx="874855" cy="307777"/>
+          </a:xfrm>
+          <a:prstGeom prst="rect">
+            <a:avLst/>
+          </a:prstGeom>
+          <a:noFill/>
+        </p:spPr>
+        <p:txBody>
+          <a:bodyPr wrap="none" rtlCol="0">
+            <a:spAutoFit/>
+          </a:bodyPr>
+          <a:lstStyle/>
+          <a:p>
+            <a:pPr algn="ctr"/>
+            <a:r>
+              <a:rPr lang="en-US" sz="1400" dirty="0" smtClean="0"/>
+              <a:t>10th step</a:t>
+            </a:r>
+            <a:endParaRPr lang="en-US" sz="1400" dirty="0"/>
+          </a:p>
+        </p:txBody>
+      </p:sp>
+      <p:sp>
+        <p:nvSpPr>
+          <p:cNvPr id="7" name="TextBox 6"/>
+          <p:cNvSpPr txBox="1"/>
+          <p:nvPr/>
+        </p:nvSpPr>
+        <p:spPr>
+          <a:xfrm>
+            <a:off x="1658072" y="5710650"/>
+            <a:ext cx="874855" cy="307777"/>
+          </a:xfrm>
+          <a:prstGeom prst="rect">
+            <a:avLst/>
+          </a:prstGeom>
+          <a:noFill/>
+        </p:spPr>
+        <p:txBody>
+          <a:bodyPr wrap="none" rtlCol="0">
+            <a:spAutoFit/>
+          </a:bodyPr>
+          <a:lstStyle/>
+          <a:p>
+            <a:pPr algn="ctr"/>
+            <a:r>
+              <a:rPr lang="en-US" sz="1400" dirty="0" smtClean="0"/>
+              <a:t>50th step</a:t>
+            </a:r>
+            <a:endParaRPr lang="en-US" sz="1400" dirty="0"/>
+          </a:p>
+        </p:txBody>
+      </p:sp>
+      <p:sp>
+        <p:nvSpPr>
+          <p:cNvPr id="9" name="TextBox 8"/>
+          <p:cNvSpPr txBox="1"/>
+          <p:nvPr/>
+        </p:nvSpPr>
+        <p:spPr>
+          <a:xfrm>
+            <a:off x="6641588" y="5712023"/>
+            <a:ext cx="966227" cy="307777"/>
+          </a:xfrm>
+          <a:prstGeom prst="rect">
+            <a:avLst/>
+          </a:prstGeom>
+          <a:noFill/>
+        </p:spPr>
+        <p:txBody>
+          <a:bodyPr wrap="none" rtlCol="0">
+            <a:spAutoFit/>
+          </a:bodyPr>
+          <a:lstStyle/>
+          <a:p>
+            <a:pPr algn="ctr"/>
+            <a:r>
+              <a:rPr lang="en-US" sz="1400" dirty="0" smtClean="0"/>
+              <a:t>100th step</a:t>
+            </a:r>
+            <a:endParaRPr lang="en-US" sz="1400" dirty="0"/>
+          </a:p>
+        </p:txBody>
+      </p:sp>
+      <p:sp>
+        <p:nvSpPr>
+          <p:cNvPr id="11" name="TextBox 10"/>
+          <p:cNvSpPr txBox="1"/>
+          <p:nvPr/>
+        </p:nvSpPr>
+        <p:spPr>
+          <a:xfrm>
+            <a:off x="4172672" y="5716318"/>
+            <a:ext cx="874855" cy="307777"/>
+          </a:xfrm>
+          <a:prstGeom prst="rect">
+            <a:avLst/>
+          </a:prstGeom>
+          <a:noFill/>
+        </p:spPr>
+        <p:txBody>
+          <a:bodyPr wrap="none" rtlCol="0">
+            <a:spAutoFit/>
+          </a:bodyPr>
+          <a:lstStyle/>
+          <a:p>
+            <a:pPr algn="ctr"/>
+            <a:r>
+              <a:rPr lang="en-US" sz="1400" dirty="0" smtClean="0"/>
+              <a:t>80th step</a:t>
+            </a:r>
+            <a:endParaRPr lang="en-US" sz="1400" dirty="0"/>
+          </a:p>
+        </p:txBody>
+      </p:sp>
+      <p:sp>
+        <p:nvSpPr>
+          <p:cNvPr id="13" name="TextBox 12"/>
+          <p:cNvSpPr txBox="1"/>
+          <p:nvPr/>
+        </p:nvSpPr>
+        <p:spPr>
+          <a:xfrm>
+            <a:off x="6687272" y="2909513"/>
+            <a:ext cx="874855" cy="307777"/>
+          </a:xfrm>
+          <a:prstGeom prst="rect">
+            <a:avLst/>
+          </a:prstGeom>
+          <a:noFill/>
+        </p:spPr>
+        <p:txBody>
+          <a:bodyPr wrap="none" rtlCol="0">
+            <a:spAutoFit/>
+          </a:bodyPr>
+          <a:lstStyle/>
+          <a:p>
+            <a:pPr algn="ctr"/>
+            <a:r>
+              <a:rPr lang="en-US" sz="1400" dirty="0" smtClean="0"/>
+              <a:t>30th step</a:t>
+            </a:r>
+            <a:endParaRPr lang="en-US" sz="1400" dirty="0"/>
+          </a:p>
+        </p:txBody>
+      </p:sp>
+      <p:pic>
+        <p:nvPicPr>
+          <p:cNvPr id="1026" name="Picture 2"/>
+          <p:cNvPicPr>
+            <a:picLocks noChangeAspect="1" noChangeArrowheads="1"/>
+          </p:cNvPicPr>
+          <p:nvPr/>
+        </p:nvPicPr>
+        <p:blipFill>
+          <a:blip r:embed="rId2">
+            <a:extLst>
+              <a:ext uri="{28A0092B-C50C-407E-A947-70E740481C1C}">
+                <a14:useLocalDpi xmlns:a14="http://schemas.microsoft.com/office/drawing/2010/main" val="0"/>
+              </a:ext>
+            </a:extLst>
+          </a:blip>
+          <a:srcRect/>
+          <a:stretch>
+            <a:fillRect/>
+          </a:stretch>
+        </p:blipFill>
+        <p:spPr bwMode="auto">
+          <a:xfrm>
+            <a:off x="896900" y="527505"/>
+            <a:ext cx="2362200" cy="2362200"/>
+          </a:xfrm>
+          <a:prstGeom prst="rect">
+            <a:avLst/>
+          </a:prstGeom>
+          <a:noFill/>
+          <a:ln>
+            <a:noFill/>
+          </a:ln>
+          <a:extLst>
+            <a:ext uri="{909E8E84-426E-40DD-AFC4-6F175D3DCCD1}">
+              <a14:hiddenFill xmlns:a14="http://schemas.microsoft.com/office/drawing/2010/main">
+                <a:solidFill>
+                  <a:schemeClr val="accent1"/>
+                </a:solidFill>
+              </a14:hiddenFill>
+            </a:ext>
+            <a:ext uri="{91240B29-F687-4F45-9708-019B960494DF}">
+              <a14:hiddenLine xmlns:a14="http://schemas.microsoft.com/office/drawing/2010/main" w="9525">
+                <a:solidFill>
+                  <a:schemeClr val="tx1"/>
+                </a:solidFill>
+                <a:miter lim="800000"/>
+                <a:headEnd/>
+                <a:tailEnd/>
+              </a14:hiddenLine>
+            </a:ext>
+          </a:extLst>
+        </p:spPr>
+      </p:pic>
+      <p:pic>
+        <p:nvPicPr>
+          <p:cNvPr id="2" name="Picture 3"/>
+          <p:cNvPicPr>
+            <a:picLocks noChangeAspect="1" noChangeArrowheads="1"/>
+          </p:cNvPicPr>
+          <p:nvPr/>
+        </p:nvPicPr>
+        <p:blipFill>
+          <a:blip r:embed="rId3">
+            <a:extLst>
+              <a:ext uri="{28A0092B-C50C-407E-A947-70E740481C1C}">
+                <a14:useLocalDpi xmlns:a14="http://schemas.microsoft.com/office/drawing/2010/main" val="0"/>
+              </a:ext>
+            </a:extLst>
+          </a:blip>
+          <a:srcRect/>
+          <a:stretch>
+            <a:fillRect/>
+          </a:stretch>
+        </p:blipFill>
+        <p:spPr bwMode="auto">
+          <a:xfrm>
+            <a:off x="3433952" y="527505"/>
+            <a:ext cx="2362200" cy="2362200"/>
+          </a:xfrm>
+          <a:prstGeom prst="rect">
+            <a:avLst/>
+          </a:prstGeom>
+          <a:noFill/>
+          <a:ln>
+            <a:noFill/>
+          </a:ln>
+          <a:extLst>
+            <a:ext uri="{909E8E84-426E-40DD-AFC4-6F175D3DCCD1}">
+              <a14:hiddenFill xmlns:a14="http://schemas.microsoft.com/office/drawing/2010/main">
+                <a:solidFill>
+                  <a:schemeClr val="accent1"/>
+                </a:solidFill>
+              </a14:hiddenFill>
+            </a:ext>
+            <a:ext uri="{91240B29-F687-4F45-9708-019B960494DF}">
+              <a14:hiddenLine xmlns:a14="http://schemas.microsoft.com/office/drawing/2010/main" w="9525">
+                <a:solidFill>
+                  <a:schemeClr val="tx1"/>
+                </a:solidFill>
+                <a:miter lim="800000"/>
+                <a:headEnd/>
+                <a:tailEnd/>
+              </a14:hiddenLine>
+            </a:ext>
+          </a:extLst>
+        </p:spPr>
+      </p:pic>
+      <p:pic>
+        <p:nvPicPr>
+          <p:cNvPr id="4" name="Picture 4"/>
+          <p:cNvPicPr>
+            <a:picLocks noChangeAspect="1" noChangeArrowheads="1"/>
+          </p:cNvPicPr>
+          <p:nvPr/>
+        </p:nvPicPr>
+        <p:blipFill>
+          <a:blip r:embed="rId4">
+            <a:extLst>
+              <a:ext uri="{28A0092B-C50C-407E-A947-70E740481C1C}">
+                <a14:useLocalDpi xmlns:a14="http://schemas.microsoft.com/office/drawing/2010/main" val="0"/>
+              </a:ext>
+            </a:extLst>
+          </a:blip>
+          <a:srcRect/>
+          <a:stretch>
+            <a:fillRect/>
+          </a:stretch>
+        </p:blipFill>
+        <p:spPr bwMode="auto">
+          <a:xfrm>
+            <a:off x="5943599" y="527505"/>
+            <a:ext cx="2362200" cy="2362200"/>
+          </a:xfrm>
+          <a:prstGeom prst="rect">
+            <a:avLst/>
+          </a:prstGeom>
+          <a:noFill/>
+          <a:ln>
+            <a:noFill/>
+          </a:ln>
+          <a:extLst>
+            <a:ext uri="{909E8E84-426E-40DD-AFC4-6F175D3DCCD1}">
+              <a14:hiddenFill xmlns:a14="http://schemas.microsoft.com/office/drawing/2010/main">
+                <a:solidFill>
+                  <a:schemeClr val="accent1"/>
+                </a:solidFill>
+              </a14:hiddenFill>
+            </a:ext>
+            <a:ext uri="{91240B29-F687-4F45-9708-019B960494DF}">
+              <a14:hiddenLine xmlns:a14="http://schemas.microsoft.com/office/drawing/2010/main" w="9525">
+                <a:solidFill>
+                  <a:schemeClr val="tx1"/>
+                </a:solidFill>
+                <a:miter lim="800000"/>
+                <a:headEnd/>
+                <a:tailEnd/>
+              </a14:hiddenLine>
+            </a:ext>
+          </a:extLst>
+        </p:spPr>
+      </p:pic>
+      <p:pic>
+        <p:nvPicPr>
+          <p:cNvPr id="6" name="Picture 5"/>
+          <p:cNvPicPr>
+            <a:picLocks noChangeAspect="1" noChangeArrowheads="1"/>
+          </p:cNvPicPr>
+          <p:nvPr/>
+        </p:nvPicPr>
+        <p:blipFill>
+          <a:blip r:embed="rId5">
+            <a:extLst>
+              <a:ext uri="{28A0092B-C50C-407E-A947-70E740481C1C}">
+                <a14:useLocalDpi xmlns:a14="http://schemas.microsoft.com/office/drawing/2010/main" val="0"/>
+              </a:ext>
+            </a:extLst>
+          </a:blip>
+          <a:srcRect/>
+          <a:stretch>
+            <a:fillRect/>
+          </a:stretch>
+        </p:blipFill>
+        <p:spPr bwMode="auto">
+          <a:xfrm>
+            <a:off x="896900" y="3329406"/>
+            <a:ext cx="2362200" cy="2362200"/>
+          </a:xfrm>
+          <a:prstGeom prst="rect">
+            <a:avLst/>
+          </a:prstGeom>
+          <a:noFill/>
+          <a:ln>
+            <a:noFill/>
+          </a:ln>
+          <a:extLst>
+            <a:ext uri="{909E8E84-426E-40DD-AFC4-6F175D3DCCD1}">
+              <a14:hiddenFill xmlns:a14="http://schemas.microsoft.com/office/drawing/2010/main">
+                <a:solidFill>
+                  <a:schemeClr val="accent1"/>
+                </a:solidFill>
+              </a14:hiddenFill>
+            </a:ext>
+            <a:ext uri="{91240B29-F687-4F45-9708-019B960494DF}">
+              <a14:hiddenLine xmlns:a14="http://schemas.microsoft.com/office/drawing/2010/main" w="9525">
+                <a:solidFill>
+                  <a:schemeClr val="tx1"/>
+                </a:solidFill>
+                <a:miter lim="800000"/>
+                <a:headEnd/>
+                <a:tailEnd/>
+              </a14:hiddenLine>
+            </a:ext>
+          </a:extLst>
+        </p:spPr>
+      </p:pic>
+      <p:pic>
+        <p:nvPicPr>
+          <p:cNvPr id="8" name="Picture 6"/>
+          <p:cNvPicPr>
+            <a:picLocks noChangeAspect="1" noChangeArrowheads="1"/>
+          </p:cNvPicPr>
+          <p:nvPr/>
+        </p:nvPicPr>
+        <p:blipFill>
+          <a:blip r:embed="rId6">
+            <a:extLst>
+              <a:ext uri="{28A0092B-C50C-407E-A947-70E740481C1C}">
+                <a14:useLocalDpi xmlns:a14="http://schemas.microsoft.com/office/drawing/2010/main" val="0"/>
+              </a:ext>
+            </a:extLst>
+          </a:blip>
+          <a:srcRect/>
+          <a:stretch>
+            <a:fillRect/>
+          </a:stretch>
+        </p:blipFill>
+        <p:spPr bwMode="auto">
+          <a:xfrm>
+            <a:off x="3427858" y="3336262"/>
+            <a:ext cx="2374388" cy="2374388"/>
+          </a:xfrm>
+          <a:prstGeom prst="rect">
+            <a:avLst/>
+          </a:prstGeom>
+          <a:noFill/>
+          <a:ln>
+            <a:noFill/>
+          </a:ln>
+          <a:extLst>
+            <a:ext uri="{909E8E84-426E-40DD-AFC4-6F175D3DCCD1}">
+              <a14:hiddenFill xmlns:a14="http://schemas.microsoft.com/office/drawing/2010/main">
+                <a:solidFill>
+                  <a:schemeClr val="accent1"/>
+                </a:solidFill>
+              </a14:hiddenFill>
+            </a:ext>
+            <a:ext uri="{91240B29-F687-4F45-9708-019B960494DF}">
+              <a14:hiddenLine xmlns:a14="http://schemas.microsoft.com/office/drawing/2010/main" w="9525">
+                <a:solidFill>
+                  <a:schemeClr val="tx1"/>
+                </a:solidFill>
+                <a:miter lim="800000"/>
+                <a:headEnd/>
+                <a:tailEnd/>
+              </a14:hiddenLine>
+            </a:ext>
+          </a:extLst>
+        </p:spPr>
+      </p:pic>
+      <p:pic>
+        <p:nvPicPr>
+          <p:cNvPr id="10" name="Picture 7"/>
+          <p:cNvPicPr>
+            <a:picLocks noChangeAspect="1" noChangeArrowheads="1"/>
+          </p:cNvPicPr>
+          <p:nvPr/>
+        </p:nvPicPr>
+        <p:blipFill>
+          <a:blip r:embed="rId7">
+            <a:extLst>
+              <a:ext uri="{28A0092B-C50C-407E-A947-70E740481C1C}">
+                <a14:useLocalDpi xmlns:a14="http://schemas.microsoft.com/office/drawing/2010/main" val="0"/>
+              </a:ext>
+            </a:extLst>
+          </a:blip>
+          <a:srcRect/>
+          <a:stretch>
+            <a:fillRect/>
+          </a:stretch>
+        </p:blipFill>
+        <p:spPr bwMode="auto">
+          <a:xfrm>
+            <a:off x="5938982" y="3336262"/>
+            <a:ext cx="2362200" cy="2362200"/>
+          </a:xfrm>
+          <a:prstGeom prst="rect">
+            <a:avLst/>
+          </a:prstGeom>
+          <a:noFill/>
+          <a:ln>
+            <a:noFill/>
+          </a:ln>
+          <a:extLst>
+            <a:ext uri="{909E8E84-426E-40DD-AFC4-6F175D3DCCD1}">
+              <a14:hiddenFill xmlns:a14="http://schemas.microsoft.com/office/drawing/2010/main">
+                <a:solidFill>
+                  <a:schemeClr val="accent1"/>
+                </a:solidFill>
+              </a14:hiddenFill>
+            </a:ext>
+            <a:ext uri="{91240B29-F687-4F45-9708-019B960494DF}">
+              <a14:hiddenLine xmlns:a14="http://schemas.microsoft.com/office/drawing/2010/main" w="9525">
+                <a:solidFill>
+                  <a:schemeClr val="tx1"/>
+                </a:solidFill>
+                <a:miter lim="800000"/>
+                <a:headEnd/>
+                <a:tailEnd/>
+              </a14:hiddenLine>
+            </a:ext>
+          </a:extLst>
+        </p:spPr>
+      </p:pic>
+    </p:spTree>
+    <p:extLst>
+      <p:ext uri="{BB962C8B-B14F-4D97-AF65-F5344CB8AC3E}">
+        <p14:creationId xmlns:p14="http://schemas.microsoft.com/office/powerpoint/2010/main" val="2340153180"/>
+      </p:ext>
+    </p:extLst>
+  </p:cSld>
+  <p:clrMapOvr>
+    <a:masterClrMapping/>
+  </p:clrMapOvr>
+  <p:timing>
+    <p:tnLst>
+      <p:par>
+        <p:cTn id="1" dur="indefinite" restart="never" nodeType="tmRoot"/>
+      </p:par>
+    </p:tnLst>
+  </p:timing>
+</p:sld>
+</file>
+
 <file path=ppt/theme/theme1.xml><?xml version="1.0" encoding="utf-8"?>
 <a:theme xmlns:a="http://schemas.openxmlformats.org/drawingml/2006/main" name="Office Theme">
   <a:themeElements>
